--- a/Análisis de Ventas y Segmentación de Clientes en un E-commerce.pptx
+++ b/Análisis de Ventas y Segmentación de Clientes en un E-commerce.pptx
@@ -150,7 +150,7 @@
   <pc:docChgLst>
     <pc:chgData name="Italo Giuseppe Buonanno" userId="5b0a4acc517d4b1a" providerId="LiveId" clId="{5BBB4929-68FC-48C4-8E58-2D0629C93858}"/>
     <pc:docChg chg="undo redo custSel addSld delSld modSld sldOrd">
-      <pc:chgData name="Italo Giuseppe Buonanno" userId="5b0a4acc517d4b1a" providerId="LiveId" clId="{5BBB4929-68FC-48C4-8E58-2D0629C93858}" dt="2025-07-29T10:15:44.293" v="1428" actId="1076"/>
+      <pc:chgData name="Italo Giuseppe Buonanno" userId="5b0a4acc517d4b1a" providerId="LiveId" clId="{5BBB4929-68FC-48C4-8E58-2D0629C93858}" dt="2025-07-29T10:28:39.008" v="1461" actId="1076"/>
       <pc:docMkLst>
         <pc:docMk/>
       </pc:docMkLst>
@@ -482,7 +482,7 @@
         </pc:picChg>
       </pc:sldChg>
       <pc:sldChg chg="addSp delSp modSp add del mod setBg">
-        <pc:chgData name="Italo Giuseppe Buonanno" userId="5b0a4acc517d4b1a" providerId="LiveId" clId="{5BBB4929-68FC-48C4-8E58-2D0629C93858}" dt="2025-07-29T10:15:44.293" v="1428" actId="1076"/>
+        <pc:chgData name="Italo Giuseppe Buonanno" userId="5b0a4acc517d4b1a" providerId="LiveId" clId="{5BBB4929-68FC-48C4-8E58-2D0629C93858}" dt="2025-07-29T10:28:39.008" v="1461" actId="1076"/>
         <pc:sldMkLst>
           <pc:docMk/>
           <pc:sldMk cId="1454843375" sldId="265"/>
@@ -544,7 +544,7 @@
           </ac:picMkLst>
         </pc:picChg>
         <pc:picChg chg="add mod">
-          <ac:chgData name="Italo Giuseppe Buonanno" userId="5b0a4acc517d4b1a" providerId="LiveId" clId="{5BBB4929-68FC-48C4-8E58-2D0629C93858}" dt="2025-07-29T10:15:44.293" v="1428" actId="1076"/>
+          <ac:chgData name="Italo Giuseppe Buonanno" userId="5b0a4acc517d4b1a" providerId="LiveId" clId="{5BBB4929-68FC-48C4-8E58-2D0629C93858}" dt="2025-07-29T10:28:32.787" v="1460" actId="1076"/>
           <ac:picMkLst>
             <pc:docMk/>
             <pc:sldMk cId="1454843375" sldId="265"/>
@@ -568,7 +568,7 @@
           </ac:picMkLst>
         </pc:picChg>
         <pc:picChg chg="add mod">
-          <ac:chgData name="Italo Giuseppe Buonanno" userId="5b0a4acc517d4b1a" providerId="LiveId" clId="{5BBB4929-68FC-48C4-8E58-2D0629C93858}" dt="2025-07-29T10:15:38.801" v="1427" actId="1076"/>
+          <ac:chgData name="Italo Giuseppe Buonanno" userId="5b0a4acc517d4b1a" providerId="LiveId" clId="{5BBB4929-68FC-48C4-8E58-2D0629C93858}" dt="2025-07-29T10:28:39.008" v="1461" actId="1076"/>
           <ac:picMkLst>
             <pc:docMk/>
             <pc:sldMk cId="1454843375" sldId="265"/>
@@ -8206,8 +8206,8 @@
         </p:blipFill>
         <p:spPr>
           <a:xfrm>
-            <a:off x="674915" y="914400"/>
-            <a:ext cx="5029200" cy="5029200"/>
+            <a:off x="555171" y="914400"/>
+            <a:ext cx="5394960" cy="5029200"/>
           </a:xfrm>
           <a:prstGeom prst="rect">
             <a:avLst/>
@@ -8236,8 +8236,8 @@
         </p:blipFill>
         <p:spPr>
           <a:xfrm>
-            <a:off x="6487885" y="914400"/>
-            <a:ext cx="5029200" cy="5029200"/>
+            <a:off x="6516189" y="914400"/>
+            <a:ext cx="5120640" cy="5029200"/>
           </a:xfrm>
           <a:prstGeom prst="rect">
             <a:avLst/>
